--- a/Presentation.pptx
+++ b/Presentation.pptx
@@ -136,7 +136,7 @@
   <p:extLst>
     <p:ext uri="{EFAFB233-063F-42B5-8137-9DF3F51BA10A}">
       <p15:sldGuideLst xmlns:p15="http://schemas.microsoft.com/office/powerpoint/2012/main">
-        <p15:guide id="1" pos="142" userDrawn="1">
+        <p15:guide id="1" pos="144" userDrawn="1">
           <p15:clr>
             <a:srgbClr val="A4A3A4"/>
           </p15:clr>
@@ -166,7 +166,7 @@
             <a:srgbClr val="A4A3A4"/>
           </p15:clr>
         </p15:guide>
-        <p15:guide id="7" pos="2865" userDrawn="1">
+        <p15:guide id="7" pos="2873" userDrawn="1">
           <p15:clr>
             <a:srgbClr val="A4A3A4"/>
           </p15:clr>
@@ -176,7 +176,7 @@
             <a:srgbClr val="A4A3A4"/>
           </p15:clr>
         </p15:guide>
-        <p15:guide id="9" orient="horz" pos="721" userDrawn="1">
+        <p15:guide id="9" orient="horz" pos="698" userDrawn="1">
           <p15:clr>
             <a:srgbClr val="A4A3A4"/>
           </p15:clr>
@@ -3151,6 +3151,18 @@
   <p:clrMapOvr>
     <a:masterClrMapping/>
   </p:clrMapOvr>
+  <mc:AlternateContent xmlns:mc="http://schemas.openxmlformats.org/markup-compatibility/2006" xmlns:p159="http://schemas.microsoft.com/office/powerpoint/2015/09/main">
+    <mc:Choice Requires="p159">
+      <p:transition xmlns:p14="http://schemas.microsoft.com/office/powerpoint/2010/main" spd="slow" p14:dur="2000">
+        <p159:morph option="byObject"/>
+      </p:transition>
+    </mc:Choice>
+    <mc:Fallback>
+      <p:transition spd="slow">
+        <p:fade/>
+      </p:transition>
+    </mc:Fallback>
+  </mc:AlternateContent>
 </p:sld>
 </file>
 
@@ -4202,6 +4214,18 @@
   <p:clrMapOvr>
     <a:masterClrMapping/>
   </p:clrMapOvr>
+  <mc:AlternateContent xmlns:mc="http://schemas.openxmlformats.org/markup-compatibility/2006">
+    <mc:Choice xmlns:p14="http://schemas.microsoft.com/office/powerpoint/2010/main" Requires="p14">
+      <p:transition spd="slow" p14:dur="1500">
+        <p:wipe/>
+      </p:transition>
+    </mc:Choice>
+    <mc:Fallback>
+      <p:transition spd="slow">
+        <p:wipe/>
+      </p:transition>
+    </mc:Fallback>
+  </mc:AlternateContent>
 </p:sld>
 </file>
 
@@ -5488,6 +5512,18 @@
   <p:clrMapOvr>
     <a:masterClrMapping/>
   </p:clrMapOvr>
+  <mc:AlternateContent xmlns:mc="http://schemas.openxmlformats.org/markup-compatibility/2006">
+    <mc:Choice xmlns:p14="http://schemas.microsoft.com/office/powerpoint/2010/main" Requires="p14">
+      <p:transition spd="slow" p14:dur="1000">
+        <p:wedge/>
+      </p:transition>
+    </mc:Choice>
+    <mc:Fallback>
+      <p:transition spd="slow">
+        <p:wedge/>
+      </p:transition>
+    </mc:Fallback>
+  </mc:AlternateContent>
 </p:sld>
 </file>
 
@@ -6525,6 +6561,18 @@
   <p:clrMapOvr>
     <a:masterClrMapping/>
   </p:clrMapOvr>
+  <mc:AlternateContent xmlns:mc="http://schemas.openxmlformats.org/markup-compatibility/2006">
+    <mc:Choice xmlns:p14="http://schemas.microsoft.com/office/powerpoint/2010/main" Requires="p14">
+      <p:transition spd="slow" p14:dur="1000">
+        <p:wipe dir="d"/>
+      </p:transition>
+    </mc:Choice>
+    <mc:Fallback>
+      <p:transition spd="slow">
+        <p:wipe dir="d"/>
+      </p:transition>
+    </mc:Fallback>
+  </mc:AlternateContent>
 </p:sld>
 </file>
 
@@ -7820,6 +7868,18 @@
   <p:clrMapOvr>
     <a:masterClrMapping/>
   </p:clrMapOvr>
+  <mc:AlternateContent xmlns:mc="http://schemas.openxmlformats.org/markup-compatibility/2006">
+    <mc:Choice xmlns:p14="http://schemas.microsoft.com/office/powerpoint/2010/main" Requires="p14">
+      <p:transition spd="med" p14:dur="699">
+        <p:fade/>
+      </p:transition>
+    </mc:Choice>
+    <mc:Fallback>
+      <p:transition spd="med">
+        <p:fade/>
+      </p:transition>
+    </mc:Fallback>
+  </mc:AlternateContent>
 </p:sld>
 </file>
 
@@ -9167,6 +9227,18 @@
   <p:clrMapOvr>
     <a:masterClrMapping/>
   </p:clrMapOvr>
+  <mc:AlternateContent xmlns:mc="http://schemas.openxmlformats.org/markup-compatibility/2006" xmlns:p159="http://schemas.microsoft.com/office/powerpoint/2015/09/main">
+    <mc:Choice Requires="p159">
+      <p:transition xmlns:p14="http://schemas.microsoft.com/office/powerpoint/2010/main" spd="slow" p14:dur="2000">
+        <p159:morph option="byObject"/>
+      </p:transition>
+    </mc:Choice>
+    <mc:Fallback>
+      <p:transition spd="slow">
+        <p:fade/>
+      </p:transition>
+    </mc:Fallback>
+  </mc:AlternateContent>
 </p:sld>
 </file>
 
@@ -9441,6 +9513,18 @@
   <p:clrMapOvr>
     <a:masterClrMapping/>
   </p:clrMapOvr>
+  <mc:AlternateContent xmlns:mc="http://schemas.openxmlformats.org/markup-compatibility/2006" xmlns:p159="http://schemas.microsoft.com/office/powerpoint/2015/09/main">
+    <mc:Choice Requires="p159">
+      <p:transition xmlns:p14="http://schemas.microsoft.com/office/powerpoint/2010/main" spd="slow" p14:dur="2000">
+        <p159:morph option="byObject"/>
+      </p:transition>
+    </mc:Choice>
+    <mc:Fallback>
+      <p:transition spd="slow">
+        <p:fade/>
+      </p:transition>
+    </mc:Fallback>
+  </mc:AlternateContent>
 </p:sld>
 </file>
 
